--- a/Matching System Detailed Explaination.pptx
+++ b/Matching System Detailed Explaination.pptx
@@ -15612,35 +15612,6 @@
           </a:p>
         </p:txBody>
       </p:sp>
-      <p:pic>
-        <p:nvPicPr>
-          <p:cNvPr id="4" name="Picture 3" descr="Logo&#10;&#10;Description automatically generated with medium confidence">
-            <a:extLst>
-              <a:ext uri="{FF2B5EF4-FFF2-40B4-BE49-F238E27FC236}">
-                <a16:creationId xmlns:a16="http://schemas.microsoft.com/office/drawing/2014/main" id="{D9318D70-AB57-FFAA-FEF2-3A0A89B32C49}"/>
-              </a:ext>
-            </a:extLst>
-          </p:cNvPr>
-          <p:cNvPicPr>
-            <a:picLocks noChangeAspect="1"/>
-          </p:cNvPicPr>
-          <p:nvPr/>
-        </p:nvPicPr>
-        <p:blipFill rotWithShape="1">
-          <a:blip r:embed="rId3"/>
-          <a:srcRect l="1" t="29657" r="-64" b="24983"/>
-          <a:stretch/>
-        </p:blipFill>
-        <p:spPr>
-          <a:xfrm>
-            <a:off x="7662884" y="162340"/>
-            <a:ext cx="1270804" cy="576073"/>
-          </a:xfrm>
-          <a:prstGeom prst="rect">
-            <a:avLst/>
-          </a:prstGeom>
-        </p:spPr>
-      </p:pic>
     </p:spTree>
   </p:cSld>
   <p:clrMapOvr>
@@ -16930,35 +16901,6 @@
           </a:p>
         </p:txBody>
       </p:sp>
-      <p:pic>
-        <p:nvPicPr>
-          <p:cNvPr id="3" name="Picture 2" descr="Logo&#10;&#10;Description automatically generated with medium confidence">
-            <a:extLst>
-              <a:ext uri="{FF2B5EF4-FFF2-40B4-BE49-F238E27FC236}">
-                <a16:creationId xmlns:a16="http://schemas.microsoft.com/office/drawing/2014/main" id="{3C64BDDC-0EFC-37DC-6253-D1744EB77793}"/>
-              </a:ext>
-            </a:extLst>
-          </p:cNvPr>
-          <p:cNvPicPr>
-            <a:picLocks noChangeAspect="1"/>
-          </p:cNvPicPr>
-          <p:nvPr/>
-        </p:nvPicPr>
-        <p:blipFill rotWithShape="1">
-          <a:blip r:embed="rId2"/>
-          <a:srcRect l="1" t="29657" r="-64" b="24983"/>
-          <a:stretch/>
-        </p:blipFill>
-        <p:spPr>
-          <a:xfrm>
-            <a:off x="7662884" y="162340"/>
-            <a:ext cx="1270804" cy="576073"/>
-          </a:xfrm>
-          <a:prstGeom prst="rect">
-            <a:avLst/>
-          </a:prstGeom>
-        </p:spPr>
-      </p:pic>
     </p:spTree>
     <p:extLst>
       <p:ext uri="{BB962C8B-B14F-4D97-AF65-F5344CB8AC3E}">
@@ -17045,35 +16987,6 @@
           <a:xfrm>
             <a:off x="234879" y="492980"/>
             <a:ext cx="8674242" cy="3727368"/>
-          </a:xfrm>
-          <a:prstGeom prst="rect">
-            <a:avLst/>
-          </a:prstGeom>
-        </p:spPr>
-      </p:pic>
-      <p:pic>
-        <p:nvPicPr>
-          <p:cNvPr id="3" name="Picture 2" descr="Logo&#10;&#10;Description automatically generated with medium confidence">
-            <a:extLst>
-              <a:ext uri="{FF2B5EF4-FFF2-40B4-BE49-F238E27FC236}">
-                <a16:creationId xmlns:a16="http://schemas.microsoft.com/office/drawing/2014/main" id="{01A876B0-88E3-F84F-BC93-337CB9C04072}"/>
-              </a:ext>
-            </a:extLst>
-          </p:cNvPr>
-          <p:cNvPicPr>
-            <a:picLocks noChangeAspect="1"/>
-          </p:cNvPicPr>
-          <p:nvPr/>
-        </p:nvPicPr>
-        <p:blipFill rotWithShape="1">
-          <a:blip r:embed="rId3"/>
-          <a:srcRect l="1" t="29657" r="-64" b="24983"/>
-          <a:stretch/>
-        </p:blipFill>
-        <p:spPr>
-          <a:xfrm>
-            <a:off x="7638317" y="4449947"/>
-            <a:ext cx="1270804" cy="576073"/>
           </a:xfrm>
           <a:prstGeom prst="rect">
             <a:avLst/>
@@ -17943,35 +17856,6 @@
           </a:p>
         </p:txBody>
       </p:sp>
-      <p:pic>
-        <p:nvPicPr>
-          <p:cNvPr id="3" name="Picture 2" descr="Logo&#10;&#10;Description automatically generated with medium confidence">
-            <a:extLst>
-              <a:ext uri="{FF2B5EF4-FFF2-40B4-BE49-F238E27FC236}">
-                <a16:creationId xmlns:a16="http://schemas.microsoft.com/office/drawing/2014/main" id="{AC3ECAD0-9110-892C-1379-C6A4F4534B27}"/>
-              </a:ext>
-            </a:extLst>
-          </p:cNvPr>
-          <p:cNvPicPr>
-            <a:picLocks noChangeAspect="1"/>
-          </p:cNvPicPr>
-          <p:nvPr/>
-        </p:nvPicPr>
-        <p:blipFill rotWithShape="1">
-          <a:blip r:embed="rId2"/>
-          <a:srcRect l="1" t="29657" r="-64" b="24983"/>
-          <a:stretch/>
-        </p:blipFill>
-        <p:spPr>
-          <a:xfrm>
-            <a:off x="7662884" y="162340"/>
-            <a:ext cx="1270804" cy="576073"/>
-          </a:xfrm>
-          <a:prstGeom prst="rect">
-            <a:avLst/>
-          </a:prstGeom>
-        </p:spPr>
-      </p:pic>
     </p:spTree>
     <p:extLst>
       <p:ext uri="{BB962C8B-B14F-4D97-AF65-F5344CB8AC3E}">
@@ -18058,35 +17942,6 @@
           <a:xfrm>
             <a:off x="397563" y="405516"/>
             <a:ext cx="8298381" cy="3753014"/>
-          </a:xfrm>
-          <a:prstGeom prst="rect">
-            <a:avLst/>
-          </a:prstGeom>
-        </p:spPr>
-      </p:pic>
-      <p:pic>
-        <p:nvPicPr>
-          <p:cNvPr id="4" name="Picture 3" descr="Logo&#10;&#10;Description automatically generated with medium confidence">
-            <a:extLst>
-              <a:ext uri="{FF2B5EF4-FFF2-40B4-BE49-F238E27FC236}">
-                <a16:creationId xmlns:a16="http://schemas.microsoft.com/office/drawing/2014/main" id="{991D3579-534A-BB45-8E86-953167742565}"/>
-              </a:ext>
-            </a:extLst>
-          </p:cNvPr>
-          <p:cNvPicPr>
-            <a:picLocks noChangeAspect="1"/>
-          </p:cNvPicPr>
-          <p:nvPr/>
-        </p:nvPicPr>
-        <p:blipFill rotWithShape="1">
-          <a:blip r:embed="rId3"/>
-          <a:srcRect l="1" t="29657" r="-64" b="24983"/>
-          <a:stretch/>
-        </p:blipFill>
-        <p:spPr>
-          <a:xfrm>
-            <a:off x="7489148" y="4435434"/>
-            <a:ext cx="1270804" cy="576073"/>
           </a:xfrm>
           <a:prstGeom prst="rect">
             <a:avLst/>
@@ -20084,35 +19939,6 @@
           </a:p>
         </p:txBody>
       </p:sp>
-      <p:pic>
-        <p:nvPicPr>
-          <p:cNvPr id="7" name="Picture 6" descr="Logo&#10;&#10;Description automatically generated with medium confidence">
-            <a:extLst>
-              <a:ext uri="{FF2B5EF4-FFF2-40B4-BE49-F238E27FC236}">
-                <a16:creationId xmlns:a16="http://schemas.microsoft.com/office/drawing/2014/main" id="{D2E72E3E-61F9-E881-02C9-C606173773B7}"/>
-              </a:ext>
-            </a:extLst>
-          </p:cNvPr>
-          <p:cNvPicPr>
-            <a:picLocks noChangeAspect="1"/>
-          </p:cNvPicPr>
-          <p:nvPr/>
-        </p:nvPicPr>
-        <p:blipFill rotWithShape="1">
-          <a:blip r:embed="rId3"/>
-          <a:srcRect l="1" t="29657" r="-64" b="24983"/>
-          <a:stretch/>
-        </p:blipFill>
-        <p:spPr>
-          <a:xfrm>
-            <a:off x="7662884" y="162340"/>
-            <a:ext cx="1270804" cy="576073"/>
-          </a:xfrm>
-          <a:prstGeom prst="rect">
-            <a:avLst/>
-          </a:prstGeom>
-        </p:spPr>
-      </p:pic>
     </p:spTree>
   </p:cSld>
   <p:clrMapOvr>
@@ -21899,35 +21725,6 @@
           </a:p>
         </p:txBody>
       </p:sp>
-      <p:pic>
-        <p:nvPicPr>
-          <p:cNvPr id="8" name="Picture 7" descr="Logo&#10;&#10;Description automatically generated with medium confidence">
-            <a:extLst>
-              <a:ext uri="{FF2B5EF4-FFF2-40B4-BE49-F238E27FC236}">
-                <a16:creationId xmlns:a16="http://schemas.microsoft.com/office/drawing/2014/main" id="{EDD2CD43-64B1-3B17-7462-886F7D82C98D}"/>
-              </a:ext>
-            </a:extLst>
-          </p:cNvPr>
-          <p:cNvPicPr>
-            <a:picLocks noChangeAspect="1"/>
-          </p:cNvPicPr>
-          <p:nvPr/>
-        </p:nvPicPr>
-        <p:blipFill rotWithShape="1">
-          <a:blip r:embed="rId3"/>
-          <a:srcRect l="1" t="29657" r="-64" b="24983"/>
-          <a:stretch/>
-        </p:blipFill>
-        <p:spPr>
-          <a:xfrm>
-            <a:off x="7743032" y="4547692"/>
-            <a:ext cx="1270804" cy="576073"/>
-          </a:xfrm>
-          <a:prstGeom prst="rect">
-            <a:avLst/>
-          </a:prstGeom>
-        </p:spPr>
-      </p:pic>
     </p:spTree>
   </p:cSld>
   <p:clrMapOvr>
@@ -22207,35 +22004,6 @@
           </a:graphicData>
         </a:graphic>
       </p:graphicFrame>
-      <p:pic>
-        <p:nvPicPr>
-          <p:cNvPr id="3" name="Picture 2" descr="Logo&#10;&#10;Description automatically generated with medium confidence">
-            <a:extLst>
-              <a:ext uri="{FF2B5EF4-FFF2-40B4-BE49-F238E27FC236}">
-                <a16:creationId xmlns:a16="http://schemas.microsoft.com/office/drawing/2014/main" id="{2FC96305-8D63-6D51-A8A7-5EAC27327183}"/>
-              </a:ext>
-            </a:extLst>
-          </p:cNvPr>
-          <p:cNvPicPr>
-            <a:picLocks noChangeAspect="1"/>
-          </p:cNvPicPr>
-          <p:nvPr/>
-        </p:nvPicPr>
-        <p:blipFill rotWithShape="1">
-          <a:blip r:embed="rId8"/>
-          <a:srcRect l="1" t="29657" r="-64" b="24983"/>
-          <a:stretch/>
-        </p:blipFill>
-        <p:spPr>
-          <a:xfrm>
-            <a:off x="7662884" y="162340"/>
-            <a:ext cx="1270804" cy="576073"/>
-          </a:xfrm>
-          <a:prstGeom prst="rect">
-            <a:avLst/>
-          </a:prstGeom>
-        </p:spPr>
-      </p:pic>
     </p:spTree>
   </p:cSld>
   <p:clrMapOvr>
@@ -22521,35 +22289,6 @@
           </a:graphicData>
         </a:graphic>
       </p:graphicFrame>
-      <p:pic>
-        <p:nvPicPr>
-          <p:cNvPr id="6" name="Picture 5" descr="Logo&#10;&#10;Description automatically generated with medium confidence">
-            <a:extLst>
-              <a:ext uri="{FF2B5EF4-FFF2-40B4-BE49-F238E27FC236}">
-                <a16:creationId xmlns:a16="http://schemas.microsoft.com/office/drawing/2014/main" id="{739E43EE-76A9-E1E6-A210-4828E595DA24}"/>
-              </a:ext>
-            </a:extLst>
-          </p:cNvPr>
-          <p:cNvPicPr>
-            <a:picLocks noChangeAspect="1"/>
-          </p:cNvPicPr>
-          <p:nvPr/>
-        </p:nvPicPr>
-        <p:blipFill rotWithShape="1">
-          <a:blip r:embed="rId8"/>
-          <a:srcRect l="1" t="29657" r="-64" b="24983"/>
-          <a:stretch/>
-        </p:blipFill>
-        <p:spPr>
-          <a:xfrm>
-            <a:off x="7662884" y="162340"/>
-            <a:ext cx="1270804" cy="576073"/>
-          </a:xfrm>
-          <a:prstGeom prst="rect">
-            <a:avLst/>
-          </a:prstGeom>
-        </p:spPr>
-      </p:pic>
     </p:spTree>
   </p:cSld>
   <p:clrMapOvr>
@@ -22873,35 +22612,6 @@
           </a:p>
         </p:txBody>
       </p:sp>
-      <p:pic>
-        <p:nvPicPr>
-          <p:cNvPr id="5" name="Picture 4" descr="Logo&#10;&#10;Description automatically generated with medium confidence">
-            <a:extLst>
-              <a:ext uri="{FF2B5EF4-FFF2-40B4-BE49-F238E27FC236}">
-                <a16:creationId xmlns:a16="http://schemas.microsoft.com/office/drawing/2014/main" id="{86F20DCE-5246-BB3E-3BDA-ADF5ED703790}"/>
-              </a:ext>
-            </a:extLst>
-          </p:cNvPr>
-          <p:cNvPicPr>
-            <a:picLocks noChangeAspect="1"/>
-          </p:cNvPicPr>
-          <p:nvPr/>
-        </p:nvPicPr>
-        <p:blipFill rotWithShape="1">
-          <a:blip r:embed="rId4"/>
-          <a:srcRect l="1" t="29657" r="-64" b="24983"/>
-          <a:stretch/>
-        </p:blipFill>
-        <p:spPr>
-          <a:xfrm>
-            <a:off x="7662884" y="162340"/>
-            <a:ext cx="1270804" cy="576073"/>
-          </a:xfrm>
-          <a:prstGeom prst="rect">
-            <a:avLst/>
-          </a:prstGeom>
-        </p:spPr>
-      </p:pic>
     </p:spTree>
   </p:cSld>
   <p:clrMapOvr>
@@ -23082,35 +22792,6 @@
           <a:ln>
             <a:noFill/>
           </a:ln>
-        </p:spPr>
-      </p:pic>
-      <p:pic>
-        <p:nvPicPr>
-          <p:cNvPr id="2" name="Picture 1" descr="Logo&#10;&#10;Description automatically generated with medium confidence">
-            <a:extLst>
-              <a:ext uri="{FF2B5EF4-FFF2-40B4-BE49-F238E27FC236}">
-                <a16:creationId xmlns:a16="http://schemas.microsoft.com/office/drawing/2014/main" id="{1A83212C-C7F6-9C0C-1205-ACE155805C96}"/>
-              </a:ext>
-            </a:extLst>
-          </p:cNvPr>
-          <p:cNvPicPr>
-            <a:picLocks noChangeAspect="1"/>
-          </p:cNvPicPr>
-          <p:nvPr/>
-        </p:nvPicPr>
-        <p:blipFill rotWithShape="1">
-          <a:blip r:embed="rId4"/>
-          <a:srcRect l="1" t="29657" r="-64" b="24983"/>
-          <a:stretch/>
-        </p:blipFill>
-        <p:spPr>
-          <a:xfrm>
-            <a:off x="7662884" y="162340"/>
-            <a:ext cx="1270804" cy="576073"/>
-          </a:xfrm>
-          <a:prstGeom prst="rect">
-            <a:avLst/>
-          </a:prstGeom>
         </p:spPr>
       </p:pic>
     </p:spTree>
@@ -23232,35 +22913,6 @@
           </a:p>
         </p:txBody>
       </p:sp>
-      <p:pic>
-        <p:nvPicPr>
-          <p:cNvPr id="4" name="Picture 3" descr="Logo&#10;&#10;Description automatically generated with medium confidence">
-            <a:extLst>
-              <a:ext uri="{FF2B5EF4-FFF2-40B4-BE49-F238E27FC236}">
-                <a16:creationId xmlns:a16="http://schemas.microsoft.com/office/drawing/2014/main" id="{4073BEE9-3B01-2130-27C5-7C0C6B572589}"/>
-              </a:ext>
-            </a:extLst>
-          </p:cNvPr>
-          <p:cNvPicPr>
-            <a:picLocks noChangeAspect="1"/>
-          </p:cNvPicPr>
-          <p:nvPr/>
-        </p:nvPicPr>
-        <p:blipFill rotWithShape="1">
-          <a:blip r:embed="rId2"/>
-          <a:srcRect l="1" t="29657" r="-64" b="24983"/>
-          <a:stretch/>
-        </p:blipFill>
-        <p:spPr>
-          <a:xfrm>
-            <a:off x="7662884" y="162340"/>
-            <a:ext cx="1270804" cy="576073"/>
-          </a:xfrm>
-          <a:prstGeom prst="rect">
-            <a:avLst/>
-          </a:prstGeom>
-        </p:spPr>
-      </p:pic>
     </p:spTree>
     <p:extLst>
       <p:ext uri="{BB962C8B-B14F-4D97-AF65-F5344CB8AC3E}">
@@ -23336,35 +22988,6 @@
           </a:p>
         </p:txBody>
       </p:sp>
-      <p:pic>
-        <p:nvPicPr>
-          <p:cNvPr id="3" name="Picture 2" descr="Logo&#10;&#10;Description automatically generated with medium confidence">
-            <a:extLst>
-              <a:ext uri="{FF2B5EF4-FFF2-40B4-BE49-F238E27FC236}">
-                <a16:creationId xmlns:a16="http://schemas.microsoft.com/office/drawing/2014/main" id="{423330E6-7C82-3B00-8913-5E3B029400B2}"/>
-              </a:ext>
-            </a:extLst>
-          </p:cNvPr>
-          <p:cNvPicPr>
-            <a:picLocks noChangeAspect="1"/>
-          </p:cNvPicPr>
-          <p:nvPr/>
-        </p:nvPicPr>
-        <p:blipFill rotWithShape="1">
-          <a:blip r:embed="rId2"/>
-          <a:srcRect l="1" t="29657" r="-64" b="24983"/>
-          <a:stretch/>
-        </p:blipFill>
-        <p:spPr>
-          <a:xfrm>
-            <a:off x="7662884" y="162340"/>
-            <a:ext cx="1270804" cy="576073"/>
-          </a:xfrm>
-          <a:prstGeom prst="rect">
-            <a:avLst/>
-          </a:prstGeom>
-        </p:spPr>
-      </p:pic>
     </p:spTree>
     <p:extLst>
       <p:ext uri="{BB962C8B-B14F-4D97-AF65-F5344CB8AC3E}">
@@ -23585,35 +23208,6 @@
           </a:p>
         </p:txBody>
       </p:sp>
-      <p:pic>
-        <p:nvPicPr>
-          <p:cNvPr id="4" name="Picture 3" descr="Logo&#10;&#10;Description automatically generated with medium confidence">
-            <a:extLst>
-              <a:ext uri="{FF2B5EF4-FFF2-40B4-BE49-F238E27FC236}">
-                <a16:creationId xmlns:a16="http://schemas.microsoft.com/office/drawing/2014/main" id="{202B5C97-474D-F2AE-9173-FB3361623514}"/>
-              </a:ext>
-            </a:extLst>
-          </p:cNvPr>
-          <p:cNvPicPr>
-            <a:picLocks noChangeAspect="1"/>
-          </p:cNvPicPr>
-          <p:nvPr/>
-        </p:nvPicPr>
-        <p:blipFill rotWithShape="1">
-          <a:blip r:embed="rId3"/>
-          <a:srcRect l="1" t="29657" r="-64" b="24983"/>
-          <a:stretch/>
-        </p:blipFill>
-        <p:spPr>
-          <a:xfrm>
-            <a:off x="7662884" y="162340"/>
-            <a:ext cx="1270804" cy="576073"/>
-          </a:xfrm>
-          <a:prstGeom prst="rect">
-            <a:avLst/>
-          </a:prstGeom>
-        </p:spPr>
-      </p:pic>
     </p:spTree>
   </p:cSld>
   <p:clrMapOvr>
@@ -23735,35 +23329,6 @@
           </a:p>
         </p:txBody>
       </p:sp>
-      <p:pic>
-        <p:nvPicPr>
-          <p:cNvPr id="4" name="Picture 3" descr="Logo&#10;&#10;Description automatically generated with medium confidence">
-            <a:extLst>
-              <a:ext uri="{FF2B5EF4-FFF2-40B4-BE49-F238E27FC236}">
-                <a16:creationId xmlns:a16="http://schemas.microsoft.com/office/drawing/2014/main" id="{24E50AB5-BFB0-A9DE-72B4-808CFD0572E1}"/>
-              </a:ext>
-            </a:extLst>
-          </p:cNvPr>
-          <p:cNvPicPr>
-            <a:picLocks noChangeAspect="1"/>
-          </p:cNvPicPr>
-          <p:nvPr/>
-        </p:nvPicPr>
-        <p:blipFill rotWithShape="1">
-          <a:blip r:embed="rId2"/>
-          <a:srcRect l="1" t="29657" r="-64" b="24983"/>
-          <a:stretch/>
-        </p:blipFill>
-        <p:spPr>
-          <a:xfrm>
-            <a:off x="7662884" y="162340"/>
-            <a:ext cx="1270804" cy="576073"/>
-          </a:xfrm>
-          <a:prstGeom prst="rect">
-            <a:avLst/>
-          </a:prstGeom>
-        </p:spPr>
-      </p:pic>
     </p:spTree>
     <p:extLst>
       <p:ext uri="{BB962C8B-B14F-4D97-AF65-F5344CB8AC3E}">
@@ -23950,35 +23515,6 @@
           </a:p>
         </p:txBody>
       </p:sp>
-      <p:pic>
-        <p:nvPicPr>
-          <p:cNvPr id="4" name="Picture 3" descr="Logo&#10;&#10;Description automatically generated with medium confidence">
-            <a:extLst>
-              <a:ext uri="{FF2B5EF4-FFF2-40B4-BE49-F238E27FC236}">
-                <a16:creationId xmlns:a16="http://schemas.microsoft.com/office/drawing/2014/main" id="{C644FEFF-33C0-1898-5779-B69B0CE6629C}"/>
-              </a:ext>
-            </a:extLst>
-          </p:cNvPr>
-          <p:cNvPicPr>
-            <a:picLocks noChangeAspect="1"/>
-          </p:cNvPicPr>
-          <p:nvPr/>
-        </p:nvPicPr>
-        <p:blipFill rotWithShape="1">
-          <a:blip r:embed="rId5"/>
-          <a:srcRect l="1" t="29657" r="-64" b="24983"/>
-          <a:stretch/>
-        </p:blipFill>
-        <p:spPr>
-          <a:xfrm>
-            <a:off x="7662884" y="162340"/>
-            <a:ext cx="1270804" cy="576073"/>
-          </a:xfrm>
-          <a:prstGeom prst="rect">
-            <a:avLst/>
-          </a:prstGeom>
-        </p:spPr>
-      </p:pic>
     </p:spTree>
     <p:extLst>
       <p:ext uri="{BB962C8B-B14F-4D97-AF65-F5344CB8AC3E}">
@@ -24044,35 +23580,6 @@
           </a:p>
         </p:txBody>
       </p:sp>
-      <p:pic>
-        <p:nvPicPr>
-          <p:cNvPr id="4" name="Picture 3" descr="Logo&#10;&#10;Description automatically generated with medium confidence">
-            <a:extLst>
-              <a:ext uri="{FF2B5EF4-FFF2-40B4-BE49-F238E27FC236}">
-                <a16:creationId xmlns:a16="http://schemas.microsoft.com/office/drawing/2014/main" id="{6D95C4A4-554A-602F-7809-C9B09AF9DCAF}"/>
-              </a:ext>
-            </a:extLst>
-          </p:cNvPr>
-          <p:cNvPicPr>
-            <a:picLocks noChangeAspect="1"/>
-          </p:cNvPicPr>
-          <p:nvPr/>
-        </p:nvPicPr>
-        <p:blipFill rotWithShape="1">
-          <a:blip r:embed="rId2"/>
-          <a:srcRect l="1" t="29657" r="-64" b="24983"/>
-          <a:stretch/>
-        </p:blipFill>
-        <p:spPr>
-          <a:xfrm>
-            <a:off x="7662884" y="162340"/>
-            <a:ext cx="1270804" cy="576073"/>
-          </a:xfrm>
-          <a:prstGeom prst="rect">
-            <a:avLst/>
-          </a:prstGeom>
-        </p:spPr>
-      </p:pic>
     </p:spTree>
     <p:extLst>
       <p:ext uri="{BB962C8B-B14F-4D97-AF65-F5344CB8AC3E}">
@@ -24176,48 +23683,11 @@
             </a:r>
             <a:r>
               <a:rPr lang="en-US" dirty="0"/>
-              <a:t>technical recruitment company, </a:t>
-            </a:r>
-            <a:r>
-              <a:rPr lang="en-US" dirty="0" err="1"/>
-              <a:t>OCBang</a:t>
-            </a:r>
-            <a:r>
-              <a:rPr lang="en-US" dirty="0"/>
-              <a:t> Inc. also wants to introduce this kind of system to fill the gap and improve the experience of clients. We aim to construct a bidirectional matching system between recruiter and potential candidates with machine learning techniques (especially advanced NLP techniques), improving the efficiency of recruitment activity and grabbing market share of our start-up.</a:t>
+              <a:t>technical recruitment company, we also wants to introduce this kind of system to fill the gap and improve the experience of clients. We aim to construct a bidirectional matching system between recruiter and potential candidates with machine learning techniques (especially advanced NLP techniques), improving the efficiency of recruitment activity and grabbing market share of our start-up.</a:t>
             </a:r>
           </a:p>
         </p:txBody>
       </p:sp>
-      <p:pic>
-        <p:nvPicPr>
-          <p:cNvPr id="4" name="Picture 3" descr="Logo&#10;&#10;Description automatically generated with medium confidence">
-            <a:extLst>
-              <a:ext uri="{FF2B5EF4-FFF2-40B4-BE49-F238E27FC236}">
-                <a16:creationId xmlns:a16="http://schemas.microsoft.com/office/drawing/2014/main" id="{2C6AEAB9-2F89-E8F7-A346-08C0D894BFD4}"/>
-              </a:ext>
-            </a:extLst>
-          </p:cNvPr>
-          <p:cNvPicPr>
-            <a:picLocks noChangeAspect="1"/>
-          </p:cNvPicPr>
-          <p:nvPr/>
-        </p:nvPicPr>
-        <p:blipFill rotWithShape="1">
-          <a:blip r:embed="rId2"/>
-          <a:srcRect l="1" t="29657" r="-64" b="24983"/>
-          <a:stretch/>
-        </p:blipFill>
-        <p:spPr>
-          <a:xfrm>
-            <a:off x="7662884" y="162340"/>
-            <a:ext cx="1270804" cy="576073"/>
-          </a:xfrm>
-          <a:prstGeom prst="rect">
-            <a:avLst/>
-          </a:prstGeom>
-        </p:spPr>
-      </p:pic>
     </p:spTree>
     <p:extLst>
       <p:ext uri="{BB962C8B-B14F-4D97-AF65-F5344CB8AC3E}">
@@ -24420,35 +23890,6 @@
           </a:p>
         </p:txBody>
       </p:sp>
-      <p:pic>
-        <p:nvPicPr>
-          <p:cNvPr id="2" name="Picture 1" descr="Logo&#10;&#10;Description automatically generated with medium confidence">
-            <a:extLst>
-              <a:ext uri="{FF2B5EF4-FFF2-40B4-BE49-F238E27FC236}">
-                <a16:creationId xmlns:a16="http://schemas.microsoft.com/office/drawing/2014/main" id="{AFC03403-D6E7-05E6-3BD3-1528E61467D8}"/>
-              </a:ext>
-            </a:extLst>
-          </p:cNvPr>
-          <p:cNvPicPr>
-            <a:picLocks noChangeAspect="1"/>
-          </p:cNvPicPr>
-          <p:nvPr/>
-        </p:nvPicPr>
-        <p:blipFill rotWithShape="1">
-          <a:blip r:embed="rId3"/>
-          <a:srcRect l="1" t="29657" r="-64" b="24983"/>
-          <a:stretch/>
-        </p:blipFill>
-        <p:spPr>
-          <a:xfrm>
-            <a:off x="7662884" y="162340"/>
-            <a:ext cx="1270804" cy="576073"/>
-          </a:xfrm>
-          <a:prstGeom prst="rect">
-            <a:avLst/>
-          </a:prstGeom>
-        </p:spPr>
-      </p:pic>
     </p:spTree>
   </p:cSld>
   <p:clrMapOvr>
@@ -24526,35 +23967,6 @@
           </a:p>
         </p:txBody>
       </p:sp>
-      <p:pic>
-        <p:nvPicPr>
-          <p:cNvPr id="3" name="Picture 2" descr="Logo&#10;&#10;Description automatically generated with medium confidence">
-            <a:extLst>
-              <a:ext uri="{FF2B5EF4-FFF2-40B4-BE49-F238E27FC236}">
-                <a16:creationId xmlns:a16="http://schemas.microsoft.com/office/drawing/2014/main" id="{4B5896F6-039D-6C24-DCC3-171E20392106}"/>
-              </a:ext>
-            </a:extLst>
-          </p:cNvPr>
-          <p:cNvPicPr>
-            <a:picLocks noChangeAspect="1"/>
-          </p:cNvPicPr>
-          <p:nvPr/>
-        </p:nvPicPr>
-        <p:blipFill rotWithShape="1">
-          <a:blip r:embed="rId2"/>
-          <a:srcRect l="1" t="29657" r="-64" b="24983"/>
-          <a:stretch/>
-        </p:blipFill>
-        <p:spPr>
-          <a:xfrm>
-            <a:off x="7662884" y="162340"/>
-            <a:ext cx="1270804" cy="576073"/>
-          </a:xfrm>
-          <a:prstGeom prst="rect">
-            <a:avLst/>
-          </a:prstGeom>
-        </p:spPr>
-      </p:pic>
     </p:spTree>
     <p:extLst>
       <p:ext uri="{BB962C8B-B14F-4D97-AF65-F5344CB8AC3E}">
@@ -25208,35 +24620,6 @@
           </a:graphicData>
         </a:graphic>
       </p:graphicFrame>
-      <p:pic>
-        <p:nvPicPr>
-          <p:cNvPr id="2" name="Picture 1" descr="Logo&#10;&#10;Description automatically generated with medium confidence">
-            <a:extLst>
-              <a:ext uri="{FF2B5EF4-FFF2-40B4-BE49-F238E27FC236}">
-                <a16:creationId xmlns:a16="http://schemas.microsoft.com/office/drawing/2014/main" id="{2A180284-648A-4004-7FDA-47151F9D8D80}"/>
-              </a:ext>
-            </a:extLst>
-          </p:cNvPr>
-          <p:cNvPicPr>
-            <a:picLocks noChangeAspect="1"/>
-          </p:cNvPicPr>
-          <p:nvPr/>
-        </p:nvPicPr>
-        <p:blipFill rotWithShape="1">
-          <a:blip r:embed="rId3"/>
-          <a:srcRect l="1" t="29657" r="-64" b="24983"/>
-          <a:stretch/>
-        </p:blipFill>
-        <p:spPr>
-          <a:xfrm>
-            <a:off x="7662884" y="162340"/>
-            <a:ext cx="1270804" cy="576073"/>
-          </a:xfrm>
-          <a:prstGeom prst="rect">
-            <a:avLst/>
-          </a:prstGeom>
-        </p:spPr>
-      </p:pic>
     </p:spTree>
   </p:cSld>
   <p:clrMapOvr>
@@ -25909,35 +25292,6 @@
           </a:graphicData>
         </a:graphic>
       </p:graphicFrame>
-      <p:pic>
-        <p:nvPicPr>
-          <p:cNvPr id="2" name="Picture 1" descr="Logo&#10;&#10;Description automatically generated with medium confidence">
-            <a:extLst>
-              <a:ext uri="{FF2B5EF4-FFF2-40B4-BE49-F238E27FC236}">
-                <a16:creationId xmlns:a16="http://schemas.microsoft.com/office/drawing/2014/main" id="{92C1FDC7-51EA-E476-8664-B7B8B1E62C22}"/>
-              </a:ext>
-            </a:extLst>
-          </p:cNvPr>
-          <p:cNvPicPr>
-            <a:picLocks noChangeAspect="1"/>
-          </p:cNvPicPr>
-          <p:nvPr/>
-        </p:nvPicPr>
-        <p:blipFill rotWithShape="1">
-          <a:blip r:embed="rId3"/>
-          <a:srcRect l="1" t="29657" r="-64" b="24983"/>
-          <a:stretch/>
-        </p:blipFill>
-        <p:spPr>
-          <a:xfrm>
-            <a:off x="7662884" y="162340"/>
-            <a:ext cx="1270804" cy="576073"/>
-          </a:xfrm>
-          <a:prstGeom prst="rect">
-            <a:avLst/>
-          </a:prstGeom>
-        </p:spPr>
-      </p:pic>
     </p:spTree>
   </p:cSld>
   <p:clrMapOvr>
@@ -26034,35 +25388,6 @@
           </a:p>
         </p:txBody>
       </p:sp>
-      <p:pic>
-        <p:nvPicPr>
-          <p:cNvPr id="3" name="Picture 2" descr="Logo&#10;&#10;Description automatically generated with medium confidence">
-            <a:extLst>
-              <a:ext uri="{FF2B5EF4-FFF2-40B4-BE49-F238E27FC236}">
-                <a16:creationId xmlns:a16="http://schemas.microsoft.com/office/drawing/2014/main" id="{74120F24-12F5-5C28-6FBB-94000463E4AC}"/>
-              </a:ext>
-            </a:extLst>
-          </p:cNvPr>
-          <p:cNvPicPr>
-            <a:picLocks noChangeAspect="1"/>
-          </p:cNvPicPr>
-          <p:nvPr/>
-        </p:nvPicPr>
-        <p:blipFill rotWithShape="1">
-          <a:blip r:embed="rId2"/>
-          <a:srcRect l="1" t="29657" r="-64" b="24983"/>
-          <a:stretch/>
-        </p:blipFill>
-        <p:spPr>
-          <a:xfrm>
-            <a:off x="7662884" y="162340"/>
-            <a:ext cx="1270804" cy="576073"/>
-          </a:xfrm>
-          <a:prstGeom prst="rect">
-            <a:avLst/>
-          </a:prstGeom>
-        </p:spPr>
-      </p:pic>
     </p:spTree>
     <p:extLst>
       <p:ext uri="{BB962C8B-B14F-4D97-AF65-F5344CB8AC3E}">
@@ -26192,35 +25517,6 @@
           </a:graphicData>
         </a:graphic>
       </p:graphicFrame>
-      <p:pic>
-        <p:nvPicPr>
-          <p:cNvPr id="5" name="Picture 4" descr="Logo&#10;&#10;Description automatically generated with medium confidence">
-            <a:extLst>
-              <a:ext uri="{FF2B5EF4-FFF2-40B4-BE49-F238E27FC236}">
-                <a16:creationId xmlns:a16="http://schemas.microsoft.com/office/drawing/2014/main" id="{08E0F5F8-BC25-ABD5-5951-6DAD0B7E1E4F}"/>
-              </a:ext>
-            </a:extLst>
-          </p:cNvPr>
-          <p:cNvPicPr>
-            <a:picLocks noChangeAspect="1"/>
-          </p:cNvPicPr>
-          <p:nvPr/>
-        </p:nvPicPr>
-        <p:blipFill rotWithShape="1">
-          <a:blip r:embed="rId7"/>
-          <a:srcRect l="1" t="29657" r="-64" b="24983"/>
-          <a:stretch/>
-        </p:blipFill>
-        <p:spPr>
-          <a:xfrm>
-            <a:off x="7754324" y="4567427"/>
-            <a:ext cx="1270804" cy="576073"/>
-          </a:xfrm>
-          <a:prstGeom prst="rect">
-            <a:avLst/>
-          </a:prstGeom>
-        </p:spPr>
-      </p:pic>
     </p:spTree>
     <p:extLst>
       <p:ext uri="{BB962C8B-B14F-4D97-AF65-F5344CB8AC3E}">
